--- a/noformado.pptx
+++ b/noformado.pptx
@@ -3376,8 +3376,8 @@
         </p:nvSpPr>
         <p:spPr>
           <a:xfrm>
-            <a:off x="141887" y="179747"/>
-            <a:ext cx="11641906" cy="2585323"/>
+            <a:off x="1302721" y="179747"/>
+            <a:ext cx="9320245" cy="3416320"/>
           </a:xfrm>
           <a:prstGeom prst="rect">
             <a:avLst/>
@@ -3392,7 +3392,7 @@
           <a:p>
             <a:pPr algn="ctr"/>
             <a:r>
-              <a:rPr lang="es-ES" sz="5400" b="1" cap="none" spc="50" dirty="0">
+              <a:rPr lang="en-US" sz="5400" b="1" spc="50" dirty="0">
                 <a:ln w="9525" cmpd="sng">
                   <a:solidFill>
                     <a:schemeClr val="accent1"/>
@@ -3418,11 +3418,8 @@
                 </a:effectLst>
                 <a:latin typeface="Centaur" panose="02030504050205020304" pitchFamily="18" charset="0"/>
               </a:rPr>
-              <a:t>ESPERANDO QUE NOS CONTACTES</a:t>
-            </a:r>
-          </a:p>
-          <a:p>
-            <a:pPr algn="ctr"/>
+              <a:t>L</a:t>
+            </a:r>
             <a:r>
               <a:rPr lang="es-ES" sz="5400" b="1" spc="50" dirty="0">
                 <a:ln w="9525" cmpd="sng">
@@ -3450,40 +3447,87 @@
                 </a:effectLst>
                 <a:latin typeface="Centaur" panose="02030504050205020304" pitchFamily="18" charset="0"/>
               </a:rPr>
-              <a:t>PARA FORMAR UN NUEVO MINIAN </a:t>
+              <a:t>OS TRONCOS </a:t>
             </a:r>
           </a:p>
           <a:p>
             <a:pPr algn="ctr"/>
             <a:r>
-              <a:rPr lang="es-ES" sz="5400" b="1" cap="none" spc="50" dirty="0">
-                <a:ln w="9525" cmpd="sng">
-                  <a:solidFill>
-                    <a:schemeClr val="accent1"/>
-                  </a:solidFill>
-                  <a:prstDash val="solid"/>
-                </a:ln>
+              <a:rPr lang="es-ES" sz="5400" b="0" i="0" dirty="0">
                 <a:solidFill>
                   <a:schemeClr val="accent1">
                     <a:lumMod val="75000"/>
                   </a:schemeClr>
                 </a:solidFill>
-                <a:effectLst>
-                  <a:glow rad="38100">
-                    <a:schemeClr val="accent1">
-                      <a:alpha val="40000"/>
-                    </a:schemeClr>
-                  </a:glow>
-                  <a:outerShdw blurRad="38100" dist="38100" dir="2700000" algn="tl">
-                    <a:srgbClr val="000000">
-                      <a:alpha val="43137"/>
-                    </a:srgbClr>
-                  </a:outerShdw>
-                </a:effectLst>
-                <a:latin typeface="Centaur" panose="02030504050205020304" pitchFamily="18" charset="0"/>
+                <a:effectLst/>
+                <a:latin typeface="Tahoma" panose="020B0604030504040204" pitchFamily="34" charset="0"/>
+                <a:ea typeface="Tahoma" panose="020B0604030504040204" pitchFamily="34" charset="0"/>
+                <a:cs typeface="Tahoma" panose="020B0604030504040204" pitchFamily="34" charset="0"/>
               </a:rPr>
-              <a:t>DONDE QUERES IR DE VACACIONES</a:t>
-            </a:r>
+              <a:t>Santa Mónica – </a:t>
+            </a:r>
+          </a:p>
+          <a:p>
+            <a:pPr algn="ctr"/>
+            <a:r>
+              <a:rPr lang="es-ES" sz="5400" b="0" i="0" dirty="0">
+                <a:solidFill>
+                  <a:schemeClr val="accent1">
+                    <a:lumMod val="75000"/>
+                  </a:schemeClr>
+                </a:solidFill>
+                <a:effectLst/>
+                <a:latin typeface="Tahoma" panose="020B0604030504040204" pitchFamily="34" charset="0"/>
+                <a:ea typeface="Tahoma" panose="020B0604030504040204" pitchFamily="34" charset="0"/>
+                <a:cs typeface="Tahoma" panose="020B0604030504040204" pitchFamily="34" charset="0"/>
+              </a:rPr>
+              <a:t>Santa Rosa de Calamuchita – </a:t>
+            </a:r>
+          </a:p>
+          <a:p>
+            <a:pPr algn="ctr"/>
+            <a:r>
+              <a:rPr lang="es-ES" sz="5400" b="0" i="0" dirty="0">
+                <a:solidFill>
+                  <a:schemeClr val="accent1">
+                    <a:lumMod val="75000"/>
+                  </a:schemeClr>
+                </a:solidFill>
+                <a:effectLst/>
+                <a:latin typeface="Tahoma" panose="020B0604030504040204" pitchFamily="34" charset="0"/>
+                <a:ea typeface="Tahoma" panose="020B0604030504040204" pitchFamily="34" charset="0"/>
+                <a:cs typeface="Tahoma" panose="020B0604030504040204" pitchFamily="34" charset="0"/>
+              </a:rPr>
+              <a:t>Sierras de Córdoba</a:t>
+            </a:r>
+            <a:endParaRPr lang="es-ES" sz="5400" b="1" cap="none" spc="50" dirty="0">
+              <a:ln w="9525" cmpd="sng">
+                <a:solidFill>
+                  <a:schemeClr val="accent1"/>
+                </a:solidFill>
+                <a:prstDash val="solid"/>
+              </a:ln>
+              <a:solidFill>
+                <a:schemeClr val="accent1">
+                  <a:lumMod val="75000"/>
+                </a:schemeClr>
+              </a:solidFill>
+              <a:effectLst>
+                <a:glow rad="38100">
+                  <a:schemeClr val="accent1">
+                    <a:alpha val="40000"/>
+                  </a:schemeClr>
+                </a:glow>
+                <a:outerShdw blurRad="38100" dist="38100" dir="2700000" algn="tl">
+                  <a:srgbClr val="000000">
+                    <a:alpha val="43137"/>
+                  </a:srgbClr>
+                </a:outerShdw>
+              </a:effectLst>
+              <a:latin typeface="Tahoma" panose="020B0604030504040204" pitchFamily="34" charset="0"/>
+              <a:ea typeface="Tahoma" panose="020B0604030504040204" pitchFamily="34" charset="0"/>
+              <a:cs typeface="Tahoma" panose="020B0604030504040204" pitchFamily="34" charset="0"/>
+            </a:endParaRPr>
           </a:p>
         </p:txBody>
       </p:sp>
